--- a/ppt 16-9/0308.复兴教会.pptx
+++ b/ppt 16-9/0308.复兴教会.pptx
@@ -5,7 +5,7 @@
     <p:sldMasterId id="2147483648" r:id="rId1"/>
   </p:sldMasterIdLst>
   <p:sldIdLst>
-    <p:sldId id="3190" r:id="rId2"/>
+    <p:sldId id="3192" r:id="rId2"/>
   </p:sldIdLst>
   <p:sldSz cx="12192000" cy="6858000"/>
   <p:notesSz cx="6858000" cy="9144000"/>
@@ -129,7 +129,7 @@
           <p:cNvPr id="2" name="标题 1">
             <a:extLst>
               <a:ext uri="{FF2B5EF4-FFF2-40B4-BE49-F238E27FC236}">
-                <a16:creationId xmlns:a16="http://schemas.microsoft.com/office/drawing/2014/main" id="{CD60353A-6273-B7A3-7858-D0C3095E8995}"/>
+                <a16:creationId xmlns:a16="http://schemas.microsoft.com/office/drawing/2014/main" id="{C5EC3FB9-39E1-D42D-883E-E4AAFB48D90D}"/>
               </a:ext>
             </a:extLst>
           </p:cNvPr>
@@ -166,7 +166,7 @@
           <p:cNvPr id="3" name="副标题 2">
             <a:extLst>
               <a:ext uri="{FF2B5EF4-FFF2-40B4-BE49-F238E27FC236}">
-                <a16:creationId xmlns:a16="http://schemas.microsoft.com/office/drawing/2014/main" id="{1DD1674F-B011-5C88-94FE-B5FA14CE63FE}"/>
+                <a16:creationId xmlns:a16="http://schemas.microsoft.com/office/drawing/2014/main" id="{685A5A2B-CB05-4330-765E-40072DACAF60}"/>
               </a:ext>
             </a:extLst>
           </p:cNvPr>
@@ -236,7 +236,7 @@
           <p:cNvPr id="4" name="日期占位符 3">
             <a:extLst>
               <a:ext uri="{FF2B5EF4-FFF2-40B4-BE49-F238E27FC236}">
-                <a16:creationId xmlns:a16="http://schemas.microsoft.com/office/drawing/2014/main" id="{D0003429-5464-8C9C-5BC5-71519977F827}"/>
+                <a16:creationId xmlns:a16="http://schemas.microsoft.com/office/drawing/2014/main" id="{2DE82056-3893-E09A-3C8E-BC9C355C0C2E}"/>
               </a:ext>
             </a:extLst>
           </p:cNvPr>
@@ -252,7 +252,7 @@
           <a:bodyPr/>
           <a:lstStyle/>
           <a:p>
-            <a:fld id="{4B1EC936-12C1-47C6-9C98-B3F36F6073C3}" type="datetimeFigureOut">
+            <a:fld id="{C12DED5F-42DB-4C18-8410-C15E01BD3F2D}" type="datetimeFigureOut">
               <a:rPr lang="zh-CN" altLang="en-US" smtClean="0"/>
               <a:t>2024/3/10</a:t>
             </a:fld>
@@ -265,7 +265,7 @@
           <p:cNvPr id="5" name="页脚占位符 4">
             <a:extLst>
               <a:ext uri="{FF2B5EF4-FFF2-40B4-BE49-F238E27FC236}">
-                <a16:creationId xmlns:a16="http://schemas.microsoft.com/office/drawing/2014/main" id="{767BA096-419A-3522-E357-C99A9CD9BCF9}"/>
+                <a16:creationId xmlns:a16="http://schemas.microsoft.com/office/drawing/2014/main" id="{C65424AF-FD13-7051-4C6E-CEBFCF821348}"/>
               </a:ext>
             </a:extLst>
           </p:cNvPr>
@@ -290,7 +290,7 @@
           <p:cNvPr id="6" name="灯片编号占位符 5">
             <a:extLst>
               <a:ext uri="{FF2B5EF4-FFF2-40B4-BE49-F238E27FC236}">
-                <a16:creationId xmlns:a16="http://schemas.microsoft.com/office/drawing/2014/main" id="{1142AA06-D606-BD9F-7758-3514F6146290}"/>
+                <a16:creationId xmlns:a16="http://schemas.microsoft.com/office/drawing/2014/main" id="{4661D8D4-C426-D62F-F384-9A846994E1B7}"/>
               </a:ext>
             </a:extLst>
           </p:cNvPr>
@@ -306,7 +306,7 @@
           <a:bodyPr/>
           <a:lstStyle/>
           <a:p>
-            <a:fld id="{1D8370C8-96D8-4AFA-8655-8EA694BB2439}" type="slidenum">
+            <a:fld id="{B6DF48A8-83A8-4BB6-9F9D-A62330B4C8F3}" type="slidenum">
               <a:rPr lang="zh-CN" altLang="en-US" smtClean="0"/>
               <a:t>‹#›</a:t>
             </a:fld>
@@ -317,7 +317,7 @@
     </p:spTree>
     <p:extLst>
       <p:ext uri="{BB962C8B-B14F-4D97-AF65-F5344CB8AC3E}">
-        <p14:creationId xmlns:p14="http://schemas.microsoft.com/office/powerpoint/2010/main" val="429870800"/>
+        <p14:creationId xmlns:p14="http://schemas.microsoft.com/office/powerpoint/2010/main" val="1696074280"/>
       </p:ext>
     </p:extLst>
   </p:cSld>
@@ -349,7 +349,7 @@
           <p:cNvPr id="2" name="标题 1">
             <a:extLst>
               <a:ext uri="{FF2B5EF4-FFF2-40B4-BE49-F238E27FC236}">
-                <a16:creationId xmlns:a16="http://schemas.microsoft.com/office/drawing/2014/main" id="{275CE026-C183-808E-AFC5-7E5E29410A85}"/>
+                <a16:creationId xmlns:a16="http://schemas.microsoft.com/office/drawing/2014/main" id="{8DB0E57C-1774-2DB2-E68C-A27068FB3DE6}"/>
               </a:ext>
             </a:extLst>
           </p:cNvPr>
@@ -377,7 +377,7 @@
           <p:cNvPr id="3" name="竖排文字占位符 2">
             <a:extLst>
               <a:ext uri="{FF2B5EF4-FFF2-40B4-BE49-F238E27FC236}">
-                <a16:creationId xmlns:a16="http://schemas.microsoft.com/office/drawing/2014/main" id="{1EF3699A-9D9F-DF23-FC8B-183941E173EC}"/>
+                <a16:creationId xmlns:a16="http://schemas.microsoft.com/office/drawing/2014/main" id="{1CF6AEDB-DC19-58FD-8C7B-CD9C865BF045}"/>
               </a:ext>
             </a:extLst>
           </p:cNvPr>
@@ -434,7 +434,7 @@
           <p:cNvPr id="4" name="日期占位符 3">
             <a:extLst>
               <a:ext uri="{FF2B5EF4-FFF2-40B4-BE49-F238E27FC236}">
-                <a16:creationId xmlns:a16="http://schemas.microsoft.com/office/drawing/2014/main" id="{0A22EDBC-31D6-836E-19DD-F75360024012}"/>
+                <a16:creationId xmlns:a16="http://schemas.microsoft.com/office/drawing/2014/main" id="{E41369C6-C2A7-146B-0D9D-FBCAB9AB0F78}"/>
               </a:ext>
             </a:extLst>
           </p:cNvPr>
@@ -450,7 +450,7 @@
           <a:bodyPr/>
           <a:lstStyle/>
           <a:p>
-            <a:fld id="{4B1EC936-12C1-47C6-9C98-B3F36F6073C3}" type="datetimeFigureOut">
+            <a:fld id="{C12DED5F-42DB-4C18-8410-C15E01BD3F2D}" type="datetimeFigureOut">
               <a:rPr lang="zh-CN" altLang="en-US" smtClean="0"/>
               <a:t>2024/3/10</a:t>
             </a:fld>
@@ -463,7 +463,7 @@
           <p:cNvPr id="5" name="页脚占位符 4">
             <a:extLst>
               <a:ext uri="{FF2B5EF4-FFF2-40B4-BE49-F238E27FC236}">
-                <a16:creationId xmlns:a16="http://schemas.microsoft.com/office/drawing/2014/main" id="{A8CC24AF-636D-3E88-E3DF-ED04906B61D7}"/>
+                <a16:creationId xmlns:a16="http://schemas.microsoft.com/office/drawing/2014/main" id="{BA7171BC-42CD-7156-AA23-62BF928EC13E}"/>
               </a:ext>
             </a:extLst>
           </p:cNvPr>
@@ -488,7 +488,7 @@
           <p:cNvPr id="6" name="灯片编号占位符 5">
             <a:extLst>
               <a:ext uri="{FF2B5EF4-FFF2-40B4-BE49-F238E27FC236}">
-                <a16:creationId xmlns:a16="http://schemas.microsoft.com/office/drawing/2014/main" id="{5D0AB4C7-927D-AC88-2F57-3D1A7F92DDC4}"/>
+                <a16:creationId xmlns:a16="http://schemas.microsoft.com/office/drawing/2014/main" id="{5C2AC48E-A5EC-B06D-4BC0-2C07930A328F}"/>
               </a:ext>
             </a:extLst>
           </p:cNvPr>
@@ -504,7 +504,7 @@
           <a:bodyPr/>
           <a:lstStyle/>
           <a:p>
-            <a:fld id="{1D8370C8-96D8-4AFA-8655-8EA694BB2439}" type="slidenum">
+            <a:fld id="{B6DF48A8-83A8-4BB6-9F9D-A62330B4C8F3}" type="slidenum">
               <a:rPr lang="zh-CN" altLang="en-US" smtClean="0"/>
               <a:t>‹#›</a:t>
             </a:fld>
@@ -515,7 +515,7 @@
     </p:spTree>
     <p:extLst>
       <p:ext uri="{BB962C8B-B14F-4D97-AF65-F5344CB8AC3E}">
-        <p14:creationId xmlns:p14="http://schemas.microsoft.com/office/powerpoint/2010/main" val="513569449"/>
+        <p14:creationId xmlns:p14="http://schemas.microsoft.com/office/powerpoint/2010/main" val="3351176805"/>
       </p:ext>
     </p:extLst>
   </p:cSld>
@@ -547,7 +547,7 @@
           <p:cNvPr id="2" name="竖排标题 1">
             <a:extLst>
               <a:ext uri="{FF2B5EF4-FFF2-40B4-BE49-F238E27FC236}">
-                <a16:creationId xmlns:a16="http://schemas.microsoft.com/office/drawing/2014/main" id="{F94044D9-5AD8-3091-05AF-03FAAAA8B76B}"/>
+                <a16:creationId xmlns:a16="http://schemas.microsoft.com/office/drawing/2014/main" id="{127679D9-5DDB-ACC9-E6BB-7F0779B260F3}"/>
               </a:ext>
             </a:extLst>
           </p:cNvPr>
@@ -580,7 +580,7 @@
           <p:cNvPr id="3" name="竖排文字占位符 2">
             <a:extLst>
               <a:ext uri="{FF2B5EF4-FFF2-40B4-BE49-F238E27FC236}">
-                <a16:creationId xmlns:a16="http://schemas.microsoft.com/office/drawing/2014/main" id="{D1BC48FB-5D9B-7A0E-331E-CCD520A07472}"/>
+                <a16:creationId xmlns:a16="http://schemas.microsoft.com/office/drawing/2014/main" id="{8215B2CC-3A57-D53A-4366-ED5C8E80A1DA}"/>
               </a:ext>
             </a:extLst>
           </p:cNvPr>
@@ -642,7 +642,7 @@
           <p:cNvPr id="4" name="日期占位符 3">
             <a:extLst>
               <a:ext uri="{FF2B5EF4-FFF2-40B4-BE49-F238E27FC236}">
-                <a16:creationId xmlns:a16="http://schemas.microsoft.com/office/drawing/2014/main" id="{75B60692-F815-5D1A-D399-D6D39E8E2C70}"/>
+                <a16:creationId xmlns:a16="http://schemas.microsoft.com/office/drawing/2014/main" id="{771A070D-9965-E841-87D9-8905F0CC718F}"/>
               </a:ext>
             </a:extLst>
           </p:cNvPr>
@@ -658,7 +658,7 @@
           <a:bodyPr/>
           <a:lstStyle/>
           <a:p>
-            <a:fld id="{4B1EC936-12C1-47C6-9C98-B3F36F6073C3}" type="datetimeFigureOut">
+            <a:fld id="{C12DED5F-42DB-4C18-8410-C15E01BD3F2D}" type="datetimeFigureOut">
               <a:rPr lang="zh-CN" altLang="en-US" smtClean="0"/>
               <a:t>2024/3/10</a:t>
             </a:fld>
@@ -671,7 +671,7 @@
           <p:cNvPr id="5" name="页脚占位符 4">
             <a:extLst>
               <a:ext uri="{FF2B5EF4-FFF2-40B4-BE49-F238E27FC236}">
-                <a16:creationId xmlns:a16="http://schemas.microsoft.com/office/drawing/2014/main" id="{9EEC96B0-1B81-3176-46EE-74B2C7FED062}"/>
+                <a16:creationId xmlns:a16="http://schemas.microsoft.com/office/drawing/2014/main" id="{925026AB-C6C8-8D53-C8FF-B26223F9C9F9}"/>
               </a:ext>
             </a:extLst>
           </p:cNvPr>
@@ -696,7 +696,7 @@
           <p:cNvPr id="6" name="灯片编号占位符 5">
             <a:extLst>
               <a:ext uri="{FF2B5EF4-FFF2-40B4-BE49-F238E27FC236}">
-                <a16:creationId xmlns:a16="http://schemas.microsoft.com/office/drawing/2014/main" id="{0139E4A5-B7E8-DDC4-13FF-0376767E45B5}"/>
+                <a16:creationId xmlns:a16="http://schemas.microsoft.com/office/drawing/2014/main" id="{67009D12-E071-FA4A-9F3A-7AAA8A20A15A}"/>
               </a:ext>
             </a:extLst>
           </p:cNvPr>
@@ -712,7 +712,7 @@
           <a:bodyPr/>
           <a:lstStyle/>
           <a:p>
-            <a:fld id="{1D8370C8-96D8-4AFA-8655-8EA694BB2439}" type="slidenum">
+            <a:fld id="{B6DF48A8-83A8-4BB6-9F9D-A62330B4C8F3}" type="slidenum">
               <a:rPr lang="zh-CN" altLang="en-US" smtClean="0"/>
               <a:t>‹#›</a:t>
             </a:fld>
@@ -723,7 +723,7 @@
     </p:spTree>
     <p:extLst>
       <p:ext uri="{BB962C8B-B14F-4D97-AF65-F5344CB8AC3E}">
-        <p14:creationId xmlns:p14="http://schemas.microsoft.com/office/powerpoint/2010/main" val="1338911957"/>
+        <p14:creationId xmlns:p14="http://schemas.microsoft.com/office/powerpoint/2010/main" val="3298545853"/>
       </p:ext>
     </p:extLst>
   </p:cSld>
@@ -755,7 +755,7 @@
           <p:cNvPr id="2" name="标题 1">
             <a:extLst>
               <a:ext uri="{FF2B5EF4-FFF2-40B4-BE49-F238E27FC236}">
-                <a16:creationId xmlns:a16="http://schemas.microsoft.com/office/drawing/2014/main" id="{E3CE40A3-A74C-BCF2-1DA8-E7A079D672A5}"/>
+                <a16:creationId xmlns:a16="http://schemas.microsoft.com/office/drawing/2014/main" id="{B326BA3D-5902-D56D-0F21-F9CB7134E5CE}"/>
               </a:ext>
             </a:extLst>
           </p:cNvPr>
@@ -783,7 +783,7 @@
           <p:cNvPr id="3" name="内容占位符 2">
             <a:extLst>
               <a:ext uri="{FF2B5EF4-FFF2-40B4-BE49-F238E27FC236}">
-                <a16:creationId xmlns:a16="http://schemas.microsoft.com/office/drawing/2014/main" id="{211724D9-32E7-F3B2-7995-3FC6A0024A0B}"/>
+                <a16:creationId xmlns:a16="http://schemas.microsoft.com/office/drawing/2014/main" id="{055F3E4F-55B6-D042-1D0E-7302C4DA0A9E}"/>
               </a:ext>
             </a:extLst>
           </p:cNvPr>
@@ -840,7 +840,7 @@
           <p:cNvPr id="4" name="日期占位符 3">
             <a:extLst>
               <a:ext uri="{FF2B5EF4-FFF2-40B4-BE49-F238E27FC236}">
-                <a16:creationId xmlns:a16="http://schemas.microsoft.com/office/drawing/2014/main" id="{F5EC8D79-5685-64C8-2FDC-720478343C84}"/>
+                <a16:creationId xmlns:a16="http://schemas.microsoft.com/office/drawing/2014/main" id="{76512903-E4B1-51AC-66B9-FE2A2B15D864}"/>
               </a:ext>
             </a:extLst>
           </p:cNvPr>
@@ -856,7 +856,7 @@
           <a:bodyPr/>
           <a:lstStyle/>
           <a:p>
-            <a:fld id="{4B1EC936-12C1-47C6-9C98-B3F36F6073C3}" type="datetimeFigureOut">
+            <a:fld id="{C12DED5F-42DB-4C18-8410-C15E01BD3F2D}" type="datetimeFigureOut">
               <a:rPr lang="zh-CN" altLang="en-US" smtClean="0"/>
               <a:t>2024/3/10</a:t>
             </a:fld>
@@ -869,7 +869,7 @@
           <p:cNvPr id="5" name="页脚占位符 4">
             <a:extLst>
               <a:ext uri="{FF2B5EF4-FFF2-40B4-BE49-F238E27FC236}">
-                <a16:creationId xmlns:a16="http://schemas.microsoft.com/office/drawing/2014/main" id="{A0F9445E-40B7-30D2-43A3-9DB5B48D6116}"/>
+                <a16:creationId xmlns:a16="http://schemas.microsoft.com/office/drawing/2014/main" id="{7E8FBABB-5057-95E7-BEBA-A2E4713598A0}"/>
               </a:ext>
             </a:extLst>
           </p:cNvPr>
@@ -894,7 +894,7 @@
           <p:cNvPr id="6" name="灯片编号占位符 5">
             <a:extLst>
               <a:ext uri="{FF2B5EF4-FFF2-40B4-BE49-F238E27FC236}">
-                <a16:creationId xmlns:a16="http://schemas.microsoft.com/office/drawing/2014/main" id="{AE8AB0F2-8D07-0FD1-D804-F9D243C17B7D}"/>
+                <a16:creationId xmlns:a16="http://schemas.microsoft.com/office/drawing/2014/main" id="{6D15BD49-3F62-6A05-0433-A359C0B482BD}"/>
               </a:ext>
             </a:extLst>
           </p:cNvPr>
@@ -910,7 +910,7 @@
           <a:bodyPr/>
           <a:lstStyle/>
           <a:p>
-            <a:fld id="{1D8370C8-96D8-4AFA-8655-8EA694BB2439}" type="slidenum">
+            <a:fld id="{B6DF48A8-83A8-4BB6-9F9D-A62330B4C8F3}" type="slidenum">
               <a:rPr lang="zh-CN" altLang="en-US" smtClean="0"/>
               <a:t>‹#›</a:t>
             </a:fld>
@@ -921,7 +921,7 @@
     </p:spTree>
     <p:extLst>
       <p:ext uri="{BB962C8B-B14F-4D97-AF65-F5344CB8AC3E}">
-        <p14:creationId xmlns:p14="http://schemas.microsoft.com/office/powerpoint/2010/main" val="2291844480"/>
+        <p14:creationId xmlns:p14="http://schemas.microsoft.com/office/powerpoint/2010/main" val="4106809700"/>
       </p:ext>
     </p:extLst>
   </p:cSld>
@@ -953,7 +953,7 @@
           <p:cNvPr id="2" name="标题 1">
             <a:extLst>
               <a:ext uri="{FF2B5EF4-FFF2-40B4-BE49-F238E27FC236}">
-                <a16:creationId xmlns:a16="http://schemas.microsoft.com/office/drawing/2014/main" id="{C23E2F21-EED0-5CDE-E837-1C693C5E5302}"/>
+                <a16:creationId xmlns:a16="http://schemas.microsoft.com/office/drawing/2014/main" id="{A06B21A8-44F2-91A2-97CD-588F92A291B3}"/>
               </a:ext>
             </a:extLst>
           </p:cNvPr>
@@ -990,7 +990,7 @@
           <p:cNvPr id="3" name="文本占位符 2">
             <a:extLst>
               <a:ext uri="{FF2B5EF4-FFF2-40B4-BE49-F238E27FC236}">
-                <a16:creationId xmlns:a16="http://schemas.microsoft.com/office/drawing/2014/main" id="{38C50C33-5DF3-F795-6ABD-767BB38E2E85}"/>
+                <a16:creationId xmlns:a16="http://schemas.microsoft.com/office/drawing/2014/main" id="{D8493168-D967-CA1C-3267-C209B3910D8F}"/>
               </a:ext>
             </a:extLst>
           </p:cNvPr>
@@ -1115,7 +1115,7 @@
           <p:cNvPr id="4" name="日期占位符 3">
             <a:extLst>
               <a:ext uri="{FF2B5EF4-FFF2-40B4-BE49-F238E27FC236}">
-                <a16:creationId xmlns:a16="http://schemas.microsoft.com/office/drawing/2014/main" id="{47C22A5D-547E-1F61-B3AB-888F22AF8260}"/>
+                <a16:creationId xmlns:a16="http://schemas.microsoft.com/office/drawing/2014/main" id="{8474B6DF-340F-9A35-36E4-534E1A1819E1}"/>
               </a:ext>
             </a:extLst>
           </p:cNvPr>
@@ -1131,7 +1131,7 @@
           <a:bodyPr/>
           <a:lstStyle/>
           <a:p>
-            <a:fld id="{4B1EC936-12C1-47C6-9C98-B3F36F6073C3}" type="datetimeFigureOut">
+            <a:fld id="{C12DED5F-42DB-4C18-8410-C15E01BD3F2D}" type="datetimeFigureOut">
               <a:rPr lang="zh-CN" altLang="en-US" smtClean="0"/>
               <a:t>2024/3/10</a:t>
             </a:fld>
@@ -1144,7 +1144,7 @@
           <p:cNvPr id="5" name="页脚占位符 4">
             <a:extLst>
               <a:ext uri="{FF2B5EF4-FFF2-40B4-BE49-F238E27FC236}">
-                <a16:creationId xmlns:a16="http://schemas.microsoft.com/office/drawing/2014/main" id="{0631D5C2-F7E1-922B-5D6B-8524E967BB48}"/>
+                <a16:creationId xmlns:a16="http://schemas.microsoft.com/office/drawing/2014/main" id="{879DE10A-9EFA-A256-3009-BC68410235C4}"/>
               </a:ext>
             </a:extLst>
           </p:cNvPr>
@@ -1169,7 +1169,7 @@
           <p:cNvPr id="6" name="灯片编号占位符 5">
             <a:extLst>
               <a:ext uri="{FF2B5EF4-FFF2-40B4-BE49-F238E27FC236}">
-                <a16:creationId xmlns:a16="http://schemas.microsoft.com/office/drawing/2014/main" id="{2363E595-B4C5-BAFA-915A-9D0A4BFC0416}"/>
+                <a16:creationId xmlns:a16="http://schemas.microsoft.com/office/drawing/2014/main" id="{6856C648-E6E1-E54E-3F93-95A4D0DA4293}"/>
               </a:ext>
             </a:extLst>
           </p:cNvPr>
@@ -1185,7 +1185,7 @@
           <a:bodyPr/>
           <a:lstStyle/>
           <a:p>
-            <a:fld id="{1D8370C8-96D8-4AFA-8655-8EA694BB2439}" type="slidenum">
+            <a:fld id="{B6DF48A8-83A8-4BB6-9F9D-A62330B4C8F3}" type="slidenum">
               <a:rPr lang="zh-CN" altLang="en-US" smtClean="0"/>
               <a:t>‹#›</a:t>
             </a:fld>
@@ -1196,7 +1196,7 @@
     </p:spTree>
     <p:extLst>
       <p:ext uri="{BB962C8B-B14F-4D97-AF65-F5344CB8AC3E}">
-        <p14:creationId xmlns:p14="http://schemas.microsoft.com/office/powerpoint/2010/main" val="1270261155"/>
+        <p14:creationId xmlns:p14="http://schemas.microsoft.com/office/powerpoint/2010/main" val="1177459125"/>
       </p:ext>
     </p:extLst>
   </p:cSld>
@@ -1228,7 +1228,7 @@
           <p:cNvPr id="2" name="标题 1">
             <a:extLst>
               <a:ext uri="{FF2B5EF4-FFF2-40B4-BE49-F238E27FC236}">
-                <a16:creationId xmlns:a16="http://schemas.microsoft.com/office/drawing/2014/main" id="{E18599B0-37EF-AED0-4892-AE96DD937E93}"/>
+                <a16:creationId xmlns:a16="http://schemas.microsoft.com/office/drawing/2014/main" id="{35D8B165-5A43-BCC1-3184-97216D055346}"/>
               </a:ext>
             </a:extLst>
           </p:cNvPr>
@@ -1256,7 +1256,7 @@
           <p:cNvPr id="3" name="内容占位符 2">
             <a:extLst>
               <a:ext uri="{FF2B5EF4-FFF2-40B4-BE49-F238E27FC236}">
-                <a16:creationId xmlns:a16="http://schemas.microsoft.com/office/drawing/2014/main" id="{08CF2FD6-9CF1-608C-A21C-506E935B6BA6}"/>
+                <a16:creationId xmlns:a16="http://schemas.microsoft.com/office/drawing/2014/main" id="{33443FB0-40AA-F126-1F71-11BDA2658BB1}"/>
               </a:ext>
             </a:extLst>
           </p:cNvPr>
@@ -1318,7 +1318,7 @@
           <p:cNvPr id="4" name="内容占位符 3">
             <a:extLst>
               <a:ext uri="{FF2B5EF4-FFF2-40B4-BE49-F238E27FC236}">
-                <a16:creationId xmlns:a16="http://schemas.microsoft.com/office/drawing/2014/main" id="{8E2E844D-BDA7-A803-A9F3-7AA616752AA5}"/>
+                <a16:creationId xmlns:a16="http://schemas.microsoft.com/office/drawing/2014/main" id="{77038143-6D8D-8465-0D07-03F045E7F63B}"/>
               </a:ext>
             </a:extLst>
           </p:cNvPr>
@@ -1380,7 +1380,7 @@
           <p:cNvPr id="5" name="日期占位符 4">
             <a:extLst>
               <a:ext uri="{FF2B5EF4-FFF2-40B4-BE49-F238E27FC236}">
-                <a16:creationId xmlns:a16="http://schemas.microsoft.com/office/drawing/2014/main" id="{807711A9-C3B2-591E-AEC9-C9C6AC3186C2}"/>
+                <a16:creationId xmlns:a16="http://schemas.microsoft.com/office/drawing/2014/main" id="{0E20B970-D0DE-A553-C72C-4107B031FE95}"/>
               </a:ext>
             </a:extLst>
           </p:cNvPr>
@@ -1396,7 +1396,7 @@
           <a:bodyPr/>
           <a:lstStyle/>
           <a:p>
-            <a:fld id="{4B1EC936-12C1-47C6-9C98-B3F36F6073C3}" type="datetimeFigureOut">
+            <a:fld id="{C12DED5F-42DB-4C18-8410-C15E01BD3F2D}" type="datetimeFigureOut">
               <a:rPr lang="zh-CN" altLang="en-US" smtClean="0"/>
               <a:t>2024/3/10</a:t>
             </a:fld>
@@ -1409,7 +1409,7 @@
           <p:cNvPr id="6" name="页脚占位符 5">
             <a:extLst>
               <a:ext uri="{FF2B5EF4-FFF2-40B4-BE49-F238E27FC236}">
-                <a16:creationId xmlns:a16="http://schemas.microsoft.com/office/drawing/2014/main" id="{239DDA5A-7DE2-455E-32DE-C6E5A4087BB6}"/>
+                <a16:creationId xmlns:a16="http://schemas.microsoft.com/office/drawing/2014/main" id="{4D5AD68D-CDB8-5314-08BE-96D44F79E299}"/>
               </a:ext>
             </a:extLst>
           </p:cNvPr>
@@ -1434,7 +1434,7 @@
           <p:cNvPr id="7" name="灯片编号占位符 6">
             <a:extLst>
               <a:ext uri="{FF2B5EF4-FFF2-40B4-BE49-F238E27FC236}">
-                <a16:creationId xmlns:a16="http://schemas.microsoft.com/office/drawing/2014/main" id="{29E696E6-403A-B2EE-331F-01F69C653D50}"/>
+                <a16:creationId xmlns:a16="http://schemas.microsoft.com/office/drawing/2014/main" id="{BF70B640-702B-8008-E4E1-DB1191BB9EB0}"/>
               </a:ext>
             </a:extLst>
           </p:cNvPr>
@@ -1450,7 +1450,7 @@
           <a:bodyPr/>
           <a:lstStyle/>
           <a:p>
-            <a:fld id="{1D8370C8-96D8-4AFA-8655-8EA694BB2439}" type="slidenum">
+            <a:fld id="{B6DF48A8-83A8-4BB6-9F9D-A62330B4C8F3}" type="slidenum">
               <a:rPr lang="zh-CN" altLang="en-US" smtClean="0"/>
               <a:t>‹#›</a:t>
             </a:fld>
@@ -1461,7 +1461,7 @@
     </p:spTree>
     <p:extLst>
       <p:ext uri="{BB962C8B-B14F-4D97-AF65-F5344CB8AC3E}">
-        <p14:creationId xmlns:p14="http://schemas.microsoft.com/office/powerpoint/2010/main" val="419667437"/>
+        <p14:creationId xmlns:p14="http://schemas.microsoft.com/office/powerpoint/2010/main" val="3702044856"/>
       </p:ext>
     </p:extLst>
   </p:cSld>
@@ -1493,7 +1493,7 @@
           <p:cNvPr id="2" name="标题 1">
             <a:extLst>
               <a:ext uri="{FF2B5EF4-FFF2-40B4-BE49-F238E27FC236}">
-                <a16:creationId xmlns:a16="http://schemas.microsoft.com/office/drawing/2014/main" id="{36A83532-97B7-F594-40FE-57FAD495865A}"/>
+                <a16:creationId xmlns:a16="http://schemas.microsoft.com/office/drawing/2014/main" id="{60CFD3C9-744B-B156-BB5C-EF76DB215B46}"/>
               </a:ext>
             </a:extLst>
           </p:cNvPr>
@@ -1526,7 +1526,7 @@
           <p:cNvPr id="3" name="文本占位符 2">
             <a:extLst>
               <a:ext uri="{FF2B5EF4-FFF2-40B4-BE49-F238E27FC236}">
-                <a16:creationId xmlns:a16="http://schemas.microsoft.com/office/drawing/2014/main" id="{0C9643B8-E14B-7AEA-8225-5BF22E8A6AAA}"/>
+                <a16:creationId xmlns:a16="http://schemas.microsoft.com/office/drawing/2014/main" id="{ED546BEF-37E8-DB60-1514-498B8BDDDB0A}"/>
               </a:ext>
             </a:extLst>
           </p:cNvPr>
@@ -1597,7 +1597,7 @@
           <p:cNvPr id="4" name="内容占位符 3">
             <a:extLst>
               <a:ext uri="{FF2B5EF4-FFF2-40B4-BE49-F238E27FC236}">
-                <a16:creationId xmlns:a16="http://schemas.microsoft.com/office/drawing/2014/main" id="{D88A46CB-5EEA-6884-C3E3-3503FDF1C87F}"/>
+                <a16:creationId xmlns:a16="http://schemas.microsoft.com/office/drawing/2014/main" id="{FD60F36F-D094-8B26-EE08-93A616E6A078}"/>
               </a:ext>
             </a:extLst>
           </p:cNvPr>
@@ -1659,7 +1659,7 @@
           <p:cNvPr id="5" name="文本占位符 4">
             <a:extLst>
               <a:ext uri="{FF2B5EF4-FFF2-40B4-BE49-F238E27FC236}">
-                <a16:creationId xmlns:a16="http://schemas.microsoft.com/office/drawing/2014/main" id="{5E609C1A-893D-265B-3CB8-DA6ECEF7DCDF}"/>
+                <a16:creationId xmlns:a16="http://schemas.microsoft.com/office/drawing/2014/main" id="{81BC790B-788C-9339-5280-2CE629CCB4D9}"/>
               </a:ext>
             </a:extLst>
           </p:cNvPr>
@@ -1730,7 +1730,7 @@
           <p:cNvPr id="6" name="内容占位符 5">
             <a:extLst>
               <a:ext uri="{FF2B5EF4-FFF2-40B4-BE49-F238E27FC236}">
-                <a16:creationId xmlns:a16="http://schemas.microsoft.com/office/drawing/2014/main" id="{5B01C557-7D4D-E30C-AEE7-0FE214F91AA8}"/>
+                <a16:creationId xmlns:a16="http://schemas.microsoft.com/office/drawing/2014/main" id="{FBBA0FED-E65A-214B-0CC7-5C70671B7E4F}"/>
               </a:ext>
             </a:extLst>
           </p:cNvPr>
@@ -1792,7 +1792,7 @@
           <p:cNvPr id="7" name="日期占位符 6">
             <a:extLst>
               <a:ext uri="{FF2B5EF4-FFF2-40B4-BE49-F238E27FC236}">
-                <a16:creationId xmlns:a16="http://schemas.microsoft.com/office/drawing/2014/main" id="{9DD4F400-B4C9-4CDC-9938-ECA396171539}"/>
+                <a16:creationId xmlns:a16="http://schemas.microsoft.com/office/drawing/2014/main" id="{41C19679-839D-163F-1968-3341F2D98B03}"/>
               </a:ext>
             </a:extLst>
           </p:cNvPr>
@@ -1808,7 +1808,7 @@
           <a:bodyPr/>
           <a:lstStyle/>
           <a:p>
-            <a:fld id="{4B1EC936-12C1-47C6-9C98-B3F36F6073C3}" type="datetimeFigureOut">
+            <a:fld id="{C12DED5F-42DB-4C18-8410-C15E01BD3F2D}" type="datetimeFigureOut">
               <a:rPr lang="zh-CN" altLang="en-US" smtClean="0"/>
               <a:t>2024/3/10</a:t>
             </a:fld>
@@ -1821,7 +1821,7 @@
           <p:cNvPr id="8" name="页脚占位符 7">
             <a:extLst>
               <a:ext uri="{FF2B5EF4-FFF2-40B4-BE49-F238E27FC236}">
-                <a16:creationId xmlns:a16="http://schemas.microsoft.com/office/drawing/2014/main" id="{88ACE1FD-8353-5DB0-59C5-FC0C56BE504E}"/>
+                <a16:creationId xmlns:a16="http://schemas.microsoft.com/office/drawing/2014/main" id="{CC0C566C-BA6A-9B27-F8C1-EB3694147CE3}"/>
               </a:ext>
             </a:extLst>
           </p:cNvPr>
@@ -1846,7 +1846,7 @@
           <p:cNvPr id="9" name="灯片编号占位符 8">
             <a:extLst>
               <a:ext uri="{FF2B5EF4-FFF2-40B4-BE49-F238E27FC236}">
-                <a16:creationId xmlns:a16="http://schemas.microsoft.com/office/drawing/2014/main" id="{FCCD1189-22B5-6D98-79CE-5B2ED71A9857}"/>
+                <a16:creationId xmlns:a16="http://schemas.microsoft.com/office/drawing/2014/main" id="{85DB207C-1830-1FC5-3374-E7827DB806B5}"/>
               </a:ext>
             </a:extLst>
           </p:cNvPr>
@@ -1862,7 +1862,7 @@
           <a:bodyPr/>
           <a:lstStyle/>
           <a:p>
-            <a:fld id="{1D8370C8-96D8-4AFA-8655-8EA694BB2439}" type="slidenum">
+            <a:fld id="{B6DF48A8-83A8-4BB6-9F9D-A62330B4C8F3}" type="slidenum">
               <a:rPr lang="zh-CN" altLang="en-US" smtClean="0"/>
               <a:t>‹#›</a:t>
             </a:fld>
@@ -1873,7 +1873,7 @@
     </p:spTree>
     <p:extLst>
       <p:ext uri="{BB962C8B-B14F-4D97-AF65-F5344CB8AC3E}">
-        <p14:creationId xmlns:p14="http://schemas.microsoft.com/office/powerpoint/2010/main" val="1472107109"/>
+        <p14:creationId xmlns:p14="http://schemas.microsoft.com/office/powerpoint/2010/main" val="2838102974"/>
       </p:ext>
     </p:extLst>
   </p:cSld>
@@ -1905,7 +1905,7 @@
           <p:cNvPr id="2" name="标题 1">
             <a:extLst>
               <a:ext uri="{FF2B5EF4-FFF2-40B4-BE49-F238E27FC236}">
-                <a16:creationId xmlns:a16="http://schemas.microsoft.com/office/drawing/2014/main" id="{06C5C377-714A-C94A-FA04-52A4BEB93199}"/>
+                <a16:creationId xmlns:a16="http://schemas.microsoft.com/office/drawing/2014/main" id="{FD8389E4-62D7-77B8-3161-B980B92679DD}"/>
               </a:ext>
             </a:extLst>
           </p:cNvPr>
@@ -1933,7 +1933,7 @@
           <p:cNvPr id="3" name="日期占位符 2">
             <a:extLst>
               <a:ext uri="{FF2B5EF4-FFF2-40B4-BE49-F238E27FC236}">
-                <a16:creationId xmlns:a16="http://schemas.microsoft.com/office/drawing/2014/main" id="{A3CE9752-9176-7FB0-E300-296D87739C76}"/>
+                <a16:creationId xmlns:a16="http://schemas.microsoft.com/office/drawing/2014/main" id="{CD22D54A-8B10-D567-460A-972B2E2DD3AB}"/>
               </a:ext>
             </a:extLst>
           </p:cNvPr>
@@ -1949,7 +1949,7 @@
           <a:bodyPr/>
           <a:lstStyle/>
           <a:p>
-            <a:fld id="{4B1EC936-12C1-47C6-9C98-B3F36F6073C3}" type="datetimeFigureOut">
+            <a:fld id="{C12DED5F-42DB-4C18-8410-C15E01BD3F2D}" type="datetimeFigureOut">
               <a:rPr lang="zh-CN" altLang="en-US" smtClean="0"/>
               <a:t>2024/3/10</a:t>
             </a:fld>
@@ -1962,7 +1962,7 @@
           <p:cNvPr id="4" name="页脚占位符 3">
             <a:extLst>
               <a:ext uri="{FF2B5EF4-FFF2-40B4-BE49-F238E27FC236}">
-                <a16:creationId xmlns:a16="http://schemas.microsoft.com/office/drawing/2014/main" id="{216CDAF1-50FA-808C-FEC6-FF32A840BD38}"/>
+                <a16:creationId xmlns:a16="http://schemas.microsoft.com/office/drawing/2014/main" id="{31077F30-7B6D-6F30-9C88-79182D037605}"/>
               </a:ext>
             </a:extLst>
           </p:cNvPr>
@@ -1987,7 +1987,7 @@
           <p:cNvPr id="5" name="灯片编号占位符 4">
             <a:extLst>
               <a:ext uri="{FF2B5EF4-FFF2-40B4-BE49-F238E27FC236}">
-                <a16:creationId xmlns:a16="http://schemas.microsoft.com/office/drawing/2014/main" id="{B551195F-0BB2-B589-2901-71A035959A11}"/>
+                <a16:creationId xmlns:a16="http://schemas.microsoft.com/office/drawing/2014/main" id="{708AC804-DF2E-E18F-E1F7-F8FC12EC2996}"/>
               </a:ext>
             </a:extLst>
           </p:cNvPr>
@@ -2003,7 +2003,7 @@
           <a:bodyPr/>
           <a:lstStyle/>
           <a:p>
-            <a:fld id="{1D8370C8-96D8-4AFA-8655-8EA694BB2439}" type="slidenum">
+            <a:fld id="{B6DF48A8-83A8-4BB6-9F9D-A62330B4C8F3}" type="slidenum">
               <a:rPr lang="zh-CN" altLang="en-US" smtClean="0"/>
               <a:t>‹#›</a:t>
             </a:fld>
@@ -2014,7 +2014,7 @@
     </p:spTree>
     <p:extLst>
       <p:ext uri="{BB962C8B-B14F-4D97-AF65-F5344CB8AC3E}">
-        <p14:creationId xmlns:p14="http://schemas.microsoft.com/office/powerpoint/2010/main" val="2989081600"/>
+        <p14:creationId xmlns:p14="http://schemas.microsoft.com/office/powerpoint/2010/main" val="1615750782"/>
       </p:ext>
     </p:extLst>
   </p:cSld>
@@ -2046,7 +2046,7 @@
           <p:cNvPr id="2" name="日期占位符 1">
             <a:extLst>
               <a:ext uri="{FF2B5EF4-FFF2-40B4-BE49-F238E27FC236}">
-                <a16:creationId xmlns:a16="http://schemas.microsoft.com/office/drawing/2014/main" id="{0D14EF4D-EB8A-BB32-F509-764E07644B5D}"/>
+                <a16:creationId xmlns:a16="http://schemas.microsoft.com/office/drawing/2014/main" id="{A4182FF4-C9CF-79AA-65AD-DF48E9B43FE7}"/>
               </a:ext>
             </a:extLst>
           </p:cNvPr>
@@ -2062,7 +2062,7 @@
           <a:bodyPr/>
           <a:lstStyle/>
           <a:p>
-            <a:fld id="{4B1EC936-12C1-47C6-9C98-B3F36F6073C3}" type="datetimeFigureOut">
+            <a:fld id="{C12DED5F-42DB-4C18-8410-C15E01BD3F2D}" type="datetimeFigureOut">
               <a:rPr lang="zh-CN" altLang="en-US" smtClean="0"/>
               <a:t>2024/3/10</a:t>
             </a:fld>
@@ -2075,7 +2075,7 @@
           <p:cNvPr id="3" name="页脚占位符 2">
             <a:extLst>
               <a:ext uri="{FF2B5EF4-FFF2-40B4-BE49-F238E27FC236}">
-                <a16:creationId xmlns:a16="http://schemas.microsoft.com/office/drawing/2014/main" id="{56FF0A4B-095C-492E-A973-22A914A93B6C}"/>
+                <a16:creationId xmlns:a16="http://schemas.microsoft.com/office/drawing/2014/main" id="{778E688E-E7FC-84D9-B770-996B470956AD}"/>
               </a:ext>
             </a:extLst>
           </p:cNvPr>
@@ -2100,7 +2100,7 @@
           <p:cNvPr id="4" name="灯片编号占位符 3">
             <a:extLst>
               <a:ext uri="{FF2B5EF4-FFF2-40B4-BE49-F238E27FC236}">
-                <a16:creationId xmlns:a16="http://schemas.microsoft.com/office/drawing/2014/main" id="{6B23CB94-BE74-7503-D930-EA6A9F16E81B}"/>
+                <a16:creationId xmlns:a16="http://schemas.microsoft.com/office/drawing/2014/main" id="{617503F6-3847-2B1E-018A-6D4CC207B0E6}"/>
               </a:ext>
             </a:extLst>
           </p:cNvPr>
@@ -2116,7 +2116,7 @@
           <a:bodyPr/>
           <a:lstStyle/>
           <a:p>
-            <a:fld id="{1D8370C8-96D8-4AFA-8655-8EA694BB2439}" type="slidenum">
+            <a:fld id="{B6DF48A8-83A8-4BB6-9F9D-A62330B4C8F3}" type="slidenum">
               <a:rPr lang="zh-CN" altLang="en-US" smtClean="0"/>
               <a:t>‹#›</a:t>
             </a:fld>
@@ -2127,7 +2127,7 @@
     </p:spTree>
     <p:extLst>
       <p:ext uri="{BB962C8B-B14F-4D97-AF65-F5344CB8AC3E}">
-        <p14:creationId xmlns:p14="http://schemas.microsoft.com/office/powerpoint/2010/main" val="1215667252"/>
+        <p14:creationId xmlns:p14="http://schemas.microsoft.com/office/powerpoint/2010/main" val="1057259636"/>
       </p:ext>
     </p:extLst>
   </p:cSld>
@@ -2159,7 +2159,7 @@
           <p:cNvPr id="2" name="标题 1">
             <a:extLst>
               <a:ext uri="{FF2B5EF4-FFF2-40B4-BE49-F238E27FC236}">
-                <a16:creationId xmlns:a16="http://schemas.microsoft.com/office/drawing/2014/main" id="{B7F01B0C-91BF-6CFC-27D0-156DE9E52EC6}"/>
+                <a16:creationId xmlns:a16="http://schemas.microsoft.com/office/drawing/2014/main" id="{B655784A-D8FC-BA50-D422-1DE0A7E19772}"/>
               </a:ext>
             </a:extLst>
           </p:cNvPr>
@@ -2196,7 +2196,7 @@
           <p:cNvPr id="3" name="内容占位符 2">
             <a:extLst>
               <a:ext uri="{FF2B5EF4-FFF2-40B4-BE49-F238E27FC236}">
-                <a16:creationId xmlns:a16="http://schemas.microsoft.com/office/drawing/2014/main" id="{74E0F3FC-F10F-0BA4-D4D4-5CD9BEDE6A7D}"/>
+                <a16:creationId xmlns:a16="http://schemas.microsoft.com/office/drawing/2014/main" id="{3F90754B-2076-929C-F22D-A000493F63C8}"/>
               </a:ext>
             </a:extLst>
           </p:cNvPr>
@@ -2286,7 +2286,7 @@
           <p:cNvPr id="4" name="文本占位符 3">
             <a:extLst>
               <a:ext uri="{FF2B5EF4-FFF2-40B4-BE49-F238E27FC236}">
-                <a16:creationId xmlns:a16="http://schemas.microsoft.com/office/drawing/2014/main" id="{6A5D6CE1-7C62-E8F5-99EF-EA6D4E040BDE}"/>
+                <a16:creationId xmlns:a16="http://schemas.microsoft.com/office/drawing/2014/main" id="{BE0B2717-8A33-82E5-94F4-8BA52AE1177B}"/>
               </a:ext>
             </a:extLst>
           </p:cNvPr>
@@ -2357,7 +2357,7 @@
           <p:cNvPr id="5" name="日期占位符 4">
             <a:extLst>
               <a:ext uri="{FF2B5EF4-FFF2-40B4-BE49-F238E27FC236}">
-                <a16:creationId xmlns:a16="http://schemas.microsoft.com/office/drawing/2014/main" id="{B2500E5F-C225-B721-419A-314124AE254A}"/>
+                <a16:creationId xmlns:a16="http://schemas.microsoft.com/office/drawing/2014/main" id="{EB27BD66-6F0F-3B27-988B-1F7EC3C79F45}"/>
               </a:ext>
             </a:extLst>
           </p:cNvPr>
@@ -2373,7 +2373,7 @@
           <a:bodyPr/>
           <a:lstStyle/>
           <a:p>
-            <a:fld id="{4B1EC936-12C1-47C6-9C98-B3F36F6073C3}" type="datetimeFigureOut">
+            <a:fld id="{C12DED5F-42DB-4C18-8410-C15E01BD3F2D}" type="datetimeFigureOut">
               <a:rPr lang="zh-CN" altLang="en-US" smtClean="0"/>
               <a:t>2024/3/10</a:t>
             </a:fld>
@@ -2386,7 +2386,7 @@
           <p:cNvPr id="6" name="页脚占位符 5">
             <a:extLst>
               <a:ext uri="{FF2B5EF4-FFF2-40B4-BE49-F238E27FC236}">
-                <a16:creationId xmlns:a16="http://schemas.microsoft.com/office/drawing/2014/main" id="{85A85D3C-7363-EAE4-7F9F-F4E2375FC83F}"/>
+                <a16:creationId xmlns:a16="http://schemas.microsoft.com/office/drawing/2014/main" id="{492E5A5B-88A3-B1CC-89AE-E1A89FFF4934}"/>
               </a:ext>
             </a:extLst>
           </p:cNvPr>
@@ -2411,7 +2411,7 @@
           <p:cNvPr id="7" name="灯片编号占位符 6">
             <a:extLst>
               <a:ext uri="{FF2B5EF4-FFF2-40B4-BE49-F238E27FC236}">
-                <a16:creationId xmlns:a16="http://schemas.microsoft.com/office/drawing/2014/main" id="{CC2D4A5F-62E6-6022-3BAC-C36AF20DB916}"/>
+                <a16:creationId xmlns:a16="http://schemas.microsoft.com/office/drawing/2014/main" id="{82ACE4C1-3804-C114-FA96-82DF344A91DC}"/>
               </a:ext>
             </a:extLst>
           </p:cNvPr>
@@ -2427,7 +2427,7 @@
           <a:bodyPr/>
           <a:lstStyle/>
           <a:p>
-            <a:fld id="{1D8370C8-96D8-4AFA-8655-8EA694BB2439}" type="slidenum">
+            <a:fld id="{B6DF48A8-83A8-4BB6-9F9D-A62330B4C8F3}" type="slidenum">
               <a:rPr lang="zh-CN" altLang="en-US" smtClean="0"/>
               <a:t>‹#›</a:t>
             </a:fld>
@@ -2438,7 +2438,7 @@
     </p:spTree>
     <p:extLst>
       <p:ext uri="{BB962C8B-B14F-4D97-AF65-F5344CB8AC3E}">
-        <p14:creationId xmlns:p14="http://schemas.microsoft.com/office/powerpoint/2010/main" val="3535091546"/>
+        <p14:creationId xmlns:p14="http://schemas.microsoft.com/office/powerpoint/2010/main" val="3712462345"/>
       </p:ext>
     </p:extLst>
   </p:cSld>
@@ -2470,7 +2470,7 @@
           <p:cNvPr id="2" name="标题 1">
             <a:extLst>
               <a:ext uri="{FF2B5EF4-FFF2-40B4-BE49-F238E27FC236}">
-                <a16:creationId xmlns:a16="http://schemas.microsoft.com/office/drawing/2014/main" id="{A42C24ED-F72B-6095-0381-2420863295CF}"/>
+                <a16:creationId xmlns:a16="http://schemas.microsoft.com/office/drawing/2014/main" id="{790413D6-7E2A-3232-0225-17B8BCF1F4F9}"/>
               </a:ext>
             </a:extLst>
           </p:cNvPr>
@@ -2507,7 +2507,7 @@
           <p:cNvPr id="3" name="图片占位符 2">
             <a:extLst>
               <a:ext uri="{FF2B5EF4-FFF2-40B4-BE49-F238E27FC236}">
-                <a16:creationId xmlns:a16="http://schemas.microsoft.com/office/drawing/2014/main" id="{6F0A9965-4F48-0377-7113-C6A01BE03209}"/>
+                <a16:creationId xmlns:a16="http://schemas.microsoft.com/office/drawing/2014/main" id="{E42CB400-A53B-A43D-7718-0595E7DC1E9F}"/>
               </a:ext>
             </a:extLst>
           </p:cNvPr>
@@ -2574,7 +2574,7 @@
           <p:cNvPr id="4" name="文本占位符 3">
             <a:extLst>
               <a:ext uri="{FF2B5EF4-FFF2-40B4-BE49-F238E27FC236}">
-                <a16:creationId xmlns:a16="http://schemas.microsoft.com/office/drawing/2014/main" id="{9A8DBEE1-8653-E2B9-D3BD-F0A64F4988D2}"/>
+                <a16:creationId xmlns:a16="http://schemas.microsoft.com/office/drawing/2014/main" id="{9F882FC7-D72A-0869-3D73-1437444E7B07}"/>
               </a:ext>
             </a:extLst>
           </p:cNvPr>
@@ -2645,7 +2645,7 @@
           <p:cNvPr id="5" name="日期占位符 4">
             <a:extLst>
               <a:ext uri="{FF2B5EF4-FFF2-40B4-BE49-F238E27FC236}">
-                <a16:creationId xmlns:a16="http://schemas.microsoft.com/office/drawing/2014/main" id="{081C4400-73E0-9D8B-1BB0-E14C087ABFCE}"/>
+                <a16:creationId xmlns:a16="http://schemas.microsoft.com/office/drawing/2014/main" id="{458A8ED6-63C8-D715-A03C-6C6955F2CABA}"/>
               </a:ext>
             </a:extLst>
           </p:cNvPr>
@@ -2661,7 +2661,7 @@
           <a:bodyPr/>
           <a:lstStyle/>
           <a:p>
-            <a:fld id="{4B1EC936-12C1-47C6-9C98-B3F36F6073C3}" type="datetimeFigureOut">
+            <a:fld id="{C12DED5F-42DB-4C18-8410-C15E01BD3F2D}" type="datetimeFigureOut">
               <a:rPr lang="zh-CN" altLang="en-US" smtClean="0"/>
               <a:t>2024/3/10</a:t>
             </a:fld>
@@ -2674,7 +2674,7 @@
           <p:cNvPr id="6" name="页脚占位符 5">
             <a:extLst>
               <a:ext uri="{FF2B5EF4-FFF2-40B4-BE49-F238E27FC236}">
-                <a16:creationId xmlns:a16="http://schemas.microsoft.com/office/drawing/2014/main" id="{0A3790A8-41CA-7056-56E8-4E7AC0275358}"/>
+                <a16:creationId xmlns:a16="http://schemas.microsoft.com/office/drawing/2014/main" id="{71F11A49-83BE-FCD5-DC1A-E31EA3C4E716}"/>
               </a:ext>
             </a:extLst>
           </p:cNvPr>
@@ -2699,7 +2699,7 @@
           <p:cNvPr id="7" name="灯片编号占位符 6">
             <a:extLst>
               <a:ext uri="{FF2B5EF4-FFF2-40B4-BE49-F238E27FC236}">
-                <a16:creationId xmlns:a16="http://schemas.microsoft.com/office/drawing/2014/main" id="{10BC69B2-C907-6F59-45A3-C669EC34E1D9}"/>
+                <a16:creationId xmlns:a16="http://schemas.microsoft.com/office/drawing/2014/main" id="{4E1FE4FB-21F5-1C8F-E908-A16FD017F851}"/>
               </a:ext>
             </a:extLst>
           </p:cNvPr>
@@ -2715,7 +2715,7 @@
           <a:bodyPr/>
           <a:lstStyle/>
           <a:p>
-            <a:fld id="{1D8370C8-96D8-4AFA-8655-8EA694BB2439}" type="slidenum">
+            <a:fld id="{B6DF48A8-83A8-4BB6-9F9D-A62330B4C8F3}" type="slidenum">
               <a:rPr lang="zh-CN" altLang="en-US" smtClean="0"/>
               <a:t>‹#›</a:t>
             </a:fld>
@@ -2726,7 +2726,7 @@
     </p:spTree>
     <p:extLst>
       <p:ext uri="{BB962C8B-B14F-4D97-AF65-F5344CB8AC3E}">
-        <p14:creationId xmlns:p14="http://schemas.microsoft.com/office/powerpoint/2010/main" val="1911610836"/>
+        <p14:creationId xmlns:p14="http://schemas.microsoft.com/office/powerpoint/2010/main" val="1478498508"/>
       </p:ext>
     </p:extLst>
   </p:cSld>
@@ -2763,7 +2763,7 @@
           <p:cNvPr id="2" name="标题占位符 1">
             <a:extLst>
               <a:ext uri="{FF2B5EF4-FFF2-40B4-BE49-F238E27FC236}">
-                <a16:creationId xmlns:a16="http://schemas.microsoft.com/office/drawing/2014/main" id="{2EC58F06-2B6F-C74B-9B5D-8ACF336FA194}"/>
+                <a16:creationId xmlns:a16="http://schemas.microsoft.com/office/drawing/2014/main" id="{7F863400-9D49-4985-1F23-78AEEB4E8D2C}"/>
               </a:ext>
             </a:extLst>
           </p:cNvPr>
@@ -2801,7 +2801,7 @@
           <p:cNvPr id="3" name="文本占位符 2">
             <a:extLst>
               <a:ext uri="{FF2B5EF4-FFF2-40B4-BE49-F238E27FC236}">
-                <a16:creationId xmlns:a16="http://schemas.microsoft.com/office/drawing/2014/main" id="{77AAE836-D8B5-2E46-77C4-14174BB1ACA9}"/>
+                <a16:creationId xmlns:a16="http://schemas.microsoft.com/office/drawing/2014/main" id="{F419C14F-2991-E47F-731F-AEB8E7F2583E}"/>
               </a:ext>
             </a:extLst>
           </p:cNvPr>
@@ -2868,7 +2868,7 @@
           <p:cNvPr id="4" name="日期占位符 3">
             <a:extLst>
               <a:ext uri="{FF2B5EF4-FFF2-40B4-BE49-F238E27FC236}">
-                <a16:creationId xmlns:a16="http://schemas.microsoft.com/office/drawing/2014/main" id="{FF43592D-6282-0BA1-99C2-DF53757691F5}"/>
+                <a16:creationId xmlns:a16="http://schemas.microsoft.com/office/drawing/2014/main" id="{3DEFF313-9399-5F94-7DE5-E89908B4B869}"/>
               </a:ext>
             </a:extLst>
           </p:cNvPr>
@@ -2902,7 +2902,7 @@
             </a:lvl1pPr>
           </a:lstStyle>
           <a:p>
-            <a:fld id="{4B1EC936-12C1-47C6-9C98-B3F36F6073C3}" type="datetimeFigureOut">
+            <a:fld id="{C12DED5F-42DB-4C18-8410-C15E01BD3F2D}" type="datetimeFigureOut">
               <a:rPr lang="zh-CN" altLang="en-US" smtClean="0"/>
               <a:t>2024/3/10</a:t>
             </a:fld>
@@ -2915,7 +2915,7 @@
           <p:cNvPr id="5" name="页脚占位符 4">
             <a:extLst>
               <a:ext uri="{FF2B5EF4-FFF2-40B4-BE49-F238E27FC236}">
-                <a16:creationId xmlns:a16="http://schemas.microsoft.com/office/drawing/2014/main" id="{B2FB47D1-B3C7-5DBD-ACF8-3C65EB5A69BD}"/>
+                <a16:creationId xmlns:a16="http://schemas.microsoft.com/office/drawing/2014/main" id="{1F0DC494-83DD-5AC7-1A40-2DA4A7CAB931}"/>
               </a:ext>
             </a:extLst>
           </p:cNvPr>
@@ -2958,7 +2958,7 @@
           <p:cNvPr id="6" name="灯片编号占位符 5">
             <a:extLst>
               <a:ext uri="{FF2B5EF4-FFF2-40B4-BE49-F238E27FC236}">
-                <a16:creationId xmlns:a16="http://schemas.microsoft.com/office/drawing/2014/main" id="{201BEC3E-B4FC-1E89-6F92-5385F530305A}"/>
+                <a16:creationId xmlns:a16="http://schemas.microsoft.com/office/drawing/2014/main" id="{E6C74103-B6AC-820B-4786-70B028B07203}"/>
               </a:ext>
             </a:extLst>
           </p:cNvPr>
@@ -2992,7 +2992,7 @@
             </a:lvl1pPr>
           </a:lstStyle>
           <a:p>
-            <a:fld id="{1D8370C8-96D8-4AFA-8655-8EA694BB2439}" type="slidenum">
+            <a:fld id="{B6DF48A8-83A8-4BB6-9F9D-A62330B4C8F3}" type="slidenum">
               <a:rPr lang="zh-CN" altLang="en-US" smtClean="0"/>
               <a:t>‹#›</a:t>
             </a:fld>
@@ -3003,7 +3003,7 @@
     </p:spTree>
     <p:extLst>
       <p:ext uri="{BB962C8B-B14F-4D97-AF65-F5344CB8AC3E}">
-        <p14:creationId xmlns:p14="http://schemas.microsoft.com/office/powerpoint/2010/main" val="330850067"/>
+        <p14:creationId xmlns:p14="http://schemas.microsoft.com/office/powerpoint/2010/main" val="1340520552"/>
       </p:ext>
     </p:extLst>
   </p:cSld>
@@ -3323,7 +3323,7 @@
       </p:grpSpPr>
       <p:pic>
         <p:nvPicPr>
-          <p:cNvPr id="315394" name="Picture 2" descr="307"/>
+          <p:cNvPr id="316418" name="Picture 2" descr="308"/>
           <p:cNvPicPr>
             <a:picLocks noChangeAspect="1" noChangeArrowheads="1"/>
           </p:cNvPicPr>
@@ -3375,11 +3375,158 @@
           </a:extLst>
         </p:spPr>
       </p:pic>
+      <p:pic>
+        <p:nvPicPr>
+          <p:cNvPr id="317443" name="Picture 3" descr="308-2"/>
+          <p:cNvPicPr>
+            <a:picLocks noChangeAspect="1" noChangeArrowheads="1"/>
+          </p:cNvPicPr>
+          <p:nvPr/>
+        </p:nvPicPr>
+        <p:blipFill>
+          <a:blip r:embed="rId3">
+            <a:extLst>
+              <a:ext uri="{28A0092B-C50C-407E-A947-70E740481C1C}">
+                <a14:useLocalDpi xmlns:a14="http://schemas.microsoft.com/office/drawing/2010/main" val="0"/>
+              </a:ext>
+            </a:extLst>
+          </a:blip>
+          <a:srcRect/>
+          <a:stretch>
+            <a:fillRect/>
+          </a:stretch>
+        </p:blipFill>
+        <p:spPr bwMode="auto">
+          <a:xfrm>
+            <a:off x="1560513" y="0"/>
+            <a:ext cx="9144000" cy="6858000"/>
+          </a:xfrm>
+          <a:prstGeom prst="rect">
+            <a:avLst/>
+          </a:prstGeom>
+          <a:noFill/>
+          <a:ln>
+            <a:noFill/>
+          </a:ln>
+          <a:effectLst/>
+          <a:extLst>
+            <a:ext uri="{909E8E84-426E-40DD-AFC4-6F175D3DCCD1}">
+              <a14:hiddenFill xmlns:a14="http://schemas.microsoft.com/office/drawing/2010/main">
+                <a:solidFill>
+                  <a:srgbClr val="FFFFFF"/>
+                </a:solidFill>
+              </a14:hiddenFill>
+            </a:ext>
+            <a:ext uri="{91240B29-F687-4F45-9708-019B960494DF}">
+              <a14:hiddenLine xmlns:a14="http://schemas.microsoft.com/office/drawing/2010/main" w="9525">
+                <a:solidFill>
+                  <a:srgbClr val="000000"/>
+                </a:solidFill>
+                <a:miter lim="800000"/>
+                <a:headEnd/>
+                <a:tailEnd/>
+              </a14:hiddenLine>
+            </a:ext>
+            <a:ext uri="{AF507438-7753-43E0-B8FC-AC1667EBCBE1}">
+              <a14:hiddenEffects xmlns:a14="http://schemas.microsoft.com/office/drawing/2010/main">
+                <a:effectLst>
+                  <a:outerShdw dist="35921" dir="2700000" algn="ctr" rotWithShape="0">
+                    <a:srgbClr val="808080"/>
+                  </a:outerShdw>
+                </a:effectLst>
+              </a14:hiddenEffects>
+            </a:ext>
+          </a:extLst>
+        </p:spPr>
+      </p:pic>
     </p:spTree>
   </p:cSld>
   <p:clrMapOvr>
     <a:masterClrMapping/>
   </p:clrMapOvr>
+  <p:timing>
+    <p:tnLst>
+      <p:par>
+        <p:cTn id="1" dur="indefinite" restart="never" nodeType="tmRoot">
+          <p:childTnLst>
+            <p:seq concurrent="1" nextAc="seek">
+              <p:cTn id="2" dur="indefinite" nodeType="mainSeq">
+                <p:childTnLst>
+                  <p:par>
+                    <p:cTn id="3" fill="hold" nodeType="clickPar">
+                      <p:stCondLst>
+                        <p:cond delay="indefinite"/>
+                      </p:stCondLst>
+                      <p:childTnLst>
+                        <p:par>
+                          <p:cTn id="4" fill="hold" nodeType="withGroup">
+                            <p:stCondLst>
+                              <p:cond delay="0"/>
+                            </p:stCondLst>
+                            <p:childTnLst>
+                              <p:par>
+                                <p:cTn id="5" presetID="10" presetClass="entr" presetSubtype="0" fill="hold" nodeType="clickEffect">
+                                  <p:stCondLst>
+                                    <p:cond delay="0"/>
+                                  </p:stCondLst>
+                                  <p:childTnLst>
+                                    <p:set>
+                                      <p:cBhvr>
+                                        <p:cTn id="6" dur="1" fill="hold">
+                                          <p:stCondLst>
+                                            <p:cond delay="0"/>
+                                          </p:stCondLst>
+                                        </p:cTn>
+                                        <p:tgtEl>
+                                          <p:spTgt spid="317443"/>
+                                        </p:tgtEl>
+                                        <p:attrNameLst>
+                                          <p:attrName>style.visibility</p:attrName>
+                                        </p:attrNameLst>
+                                      </p:cBhvr>
+                                      <p:to>
+                                        <p:strVal val="visible"/>
+                                      </p:to>
+                                    </p:set>
+                                    <p:animEffect transition="in" filter="fade">
+                                      <p:cBhvr>
+                                        <p:cTn id="7" dur="500"/>
+                                        <p:tgtEl>
+                                          <p:spTgt spid="317443"/>
+                                        </p:tgtEl>
+                                      </p:cBhvr>
+                                    </p:animEffect>
+                                  </p:childTnLst>
+                                </p:cTn>
+                              </p:par>
+                            </p:childTnLst>
+                          </p:cTn>
+                        </p:par>
+                      </p:childTnLst>
+                    </p:cTn>
+                  </p:par>
+                </p:childTnLst>
+              </p:cTn>
+              <p:prevCondLst>
+                <p:cond evt="onPrev" delay="0">
+                  <p:tgtEl>
+                    <p:sldTgt/>
+                  </p:tgtEl>
+                </p:cond>
+              </p:prevCondLst>
+              <p:nextCondLst>
+                <p:cond evt="onNext" delay="0">
+                  <p:tgtEl>
+                    <p:sldTgt/>
+                  </p:tgtEl>
+                </p:cond>
+              </p:nextCondLst>
+            </p:seq>
+          </p:childTnLst>
+        </p:cTn>
+      </p:par>
+    </p:tnLst>
+  </p:timing>
 </p:sld>
 </file>
 
